--- a/MLpresentation.pptx
+++ b/MLpresentation.pptx
@@ -326,7 +326,7 @@
   </p:defaultTextStyle>
   <p:extLst>
     <p:ext uri="{EFAFB233-063F-42B5-8137-9DF3F51BA10A}">
-      <p15:sldGuideLst xmlns:p15="http://schemas.microsoft.com/office/powerpoint/2012/main"/>
+      <p15:sldGuideLst xmlns:p15="http://schemas.microsoft.com/office/powerpoint/2012/main" xmlns=""/>
     </p:ext>
   </p:extLst>
 </p:presentation>
@@ -6990,7 +6990,7 @@
           </a:ln>
           <a:extLst>
             <a:ext uri="{C572A759-6A51-4108-AA02-DFA0A04FC94B}">
-              <ma14:wrappingTextBoxFlag xmlns:ma14="http://schemas.microsoft.com/office/mac/drawingml/2011/main" xmlns="" val="1"/>
+              <ma14:wrappingTextBoxFlag xmlns="" xmlns:ma14="http://schemas.microsoft.com/office/mac/drawingml/2011/main" val="1"/>
             </a:ext>
           </a:extLst>
         </p:spPr>
@@ -7029,7 +7029,7 @@
           </a:ln>
           <a:extLst>
             <a:ext uri="{C572A759-6A51-4108-AA02-DFA0A04FC94B}">
-              <ma14:wrappingTextBoxFlag xmlns:ma14="http://schemas.microsoft.com/office/mac/drawingml/2011/main" xmlns="" val="1"/>
+              <ma14:wrappingTextBoxFlag xmlns="" xmlns:ma14="http://schemas.microsoft.com/office/mac/drawingml/2011/main" val="1"/>
             </a:ext>
           </a:extLst>
         </p:spPr>
@@ -7979,7 +7979,7 @@
           </a:ln>
           <a:extLst>
             <a:ext uri="{C572A759-6A51-4108-AA02-DFA0A04FC94B}">
-              <ma14:wrappingTextBoxFlag xmlns:ma14="http://schemas.microsoft.com/office/mac/drawingml/2011/main" xmlns="" val="1"/>
+              <ma14:wrappingTextBoxFlag xmlns="" xmlns:ma14="http://schemas.microsoft.com/office/mac/drawingml/2011/main" val="1"/>
             </a:ext>
           </a:extLst>
         </p:spPr>
@@ -8034,7 +8034,7 @@
           </a:ln>
           <a:extLst>
             <a:ext uri="{C572A759-6A51-4108-AA02-DFA0A04FC94B}">
-              <ma14:wrappingTextBoxFlag xmlns:ma14="http://schemas.microsoft.com/office/mac/drawingml/2011/main" xmlns="" val="1"/>
+              <ma14:wrappingTextBoxFlag xmlns="" xmlns:ma14="http://schemas.microsoft.com/office/mac/drawingml/2011/main" val="1"/>
             </a:ext>
           </a:extLst>
         </p:spPr>
@@ -8469,7 +8469,7 @@
           </a:ln>
           <a:extLst>
             <a:ext uri="{C572A759-6A51-4108-AA02-DFA0A04FC94B}">
-              <ma14:wrappingTextBoxFlag xmlns:ma14="http://schemas.microsoft.com/office/mac/drawingml/2011/main" xmlns="" val="1"/>
+              <ma14:wrappingTextBoxFlag xmlns="" xmlns:ma14="http://schemas.microsoft.com/office/mac/drawingml/2011/main" val="1"/>
             </a:ext>
           </a:extLst>
         </p:spPr>
@@ -8554,7 +8554,7 @@
           </a:ln>
           <a:extLst>
             <a:ext uri="{C572A759-6A51-4108-AA02-DFA0A04FC94B}">
-              <ma14:wrappingTextBoxFlag xmlns:ma14="http://schemas.microsoft.com/office/mac/drawingml/2011/main" xmlns="" val="1"/>
+              <ma14:wrappingTextBoxFlag xmlns="" xmlns:ma14="http://schemas.microsoft.com/office/mac/drawingml/2011/main" val="1"/>
             </a:ext>
           </a:extLst>
         </p:spPr>
@@ -8605,7 +8605,7 @@
           </a:ln>
           <a:extLst>
             <a:ext uri="{C572A759-6A51-4108-AA02-DFA0A04FC94B}">
-              <ma14:wrappingTextBoxFlag xmlns:ma14="http://schemas.microsoft.com/office/mac/drawingml/2011/main" xmlns="" val="1"/>
+              <ma14:wrappingTextBoxFlag xmlns="" xmlns:ma14="http://schemas.microsoft.com/office/mac/drawingml/2011/main" val="1"/>
             </a:ext>
           </a:extLst>
         </p:spPr>
@@ -8804,7 +8804,7 @@
           </a:ln>
           <a:extLst>
             <a:ext uri="{C572A759-6A51-4108-AA02-DFA0A04FC94B}">
-              <ma14:wrappingTextBoxFlag xmlns:ma14="http://schemas.microsoft.com/office/mac/drawingml/2011/main" xmlns="" val="1"/>
+              <ma14:wrappingTextBoxFlag xmlns="" xmlns:ma14="http://schemas.microsoft.com/office/mac/drawingml/2011/main" val="1"/>
             </a:ext>
           </a:extLst>
         </p:spPr>
@@ -8891,7 +8891,7 @@
           </a:ln>
           <a:extLst>
             <a:ext uri="{C572A759-6A51-4108-AA02-DFA0A04FC94B}">
-              <ma14:wrappingTextBoxFlag xmlns:ma14="http://schemas.microsoft.com/office/mac/drawingml/2011/main" xmlns="" val="1"/>
+              <ma14:wrappingTextBoxFlag xmlns="" xmlns:ma14="http://schemas.microsoft.com/office/mac/drawingml/2011/main" val="1"/>
             </a:ext>
           </a:extLst>
         </p:spPr>
@@ -8938,7 +8938,7 @@
           </a:ln>
           <a:extLst>
             <a:ext uri="{C572A759-6A51-4108-AA02-DFA0A04FC94B}">
-              <ma14:wrappingTextBoxFlag xmlns:ma14="http://schemas.microsoft.com/office/mac/drawingml/2011/main" xmlns="" val="1"/>
+              <ma14:wrappingTextBoxFlag xmlns="" xmlns:ma14="http://schemas.microsoft.com/office/mac/drawingml/2011/main" val="1"/>
             </a:ext>
           </a:extLst>
         </p:spPr>
@@ -13305,7 +13305,7 @@
           </a:ln>
           <a:extLst>
             <a:ext uri="{C572A759-6A51-4108-AA02-DFA0A04FC94B}">
-              <ma14:wrappingTextBoxFlag xmlns:ma14="http://schemas.microsoft.com/office/mac/drawingml/2011/main" xmlns="" val="1"/>
+              <ma14:wrappingTextBoxFlag xmlns="" xmlns:ma14="http://schemas.microsoft.com/office/mac/drawingml/2011/main" val="1"/>
             </a:ext>
           </a:extLst>
         </p:spPr>
@@ -13428,7 +13428,7 @@
           </a:ln>
           <a:extLst>
             <a:ext uri="{C572A759-6A51-4108-AA02-DFA0A04FC94B}">
-              <ma14:wrappingTextBoxFlag xmlns:ma14="http://schemas.microsoft.com/office/mac/drawingml/2011/main" xmlns="" val="1"/>
+              <ma14:wrappingTextBoxFlag xmlns="" xmlns:ma14="http://schemas.microsoft.com/office/mac/drawingml/2011/main" val="1"/>
             </a:ext>
           </a:extLst>
         </p:spPr>
@@ -13641,24 +13641,7 @@
                 <a:cs typeface="Tw Cen MT"/>
                 <a:sym typeface="Tw Cen MT"/>
               </a:rPr>
-              <a:t>   1</a:t>
-            </a:r>
-            <a:r>
-              <a:rPr kumimoji="0" lang="en-US" sz="1800" b="0" i="0" u="none" strike="noStrike" cap="none" spc="0" normalizeH="0" dirty="0" smtClean="0">
-                <a:ln>
-                  <a:noFill/>
-                </a:ln>
-                <a:solidFill>
-                  <a:srgbClr val="000000"/>
-                </a:solidFill>
-                <a:effectLst/>
-                <a:uFillTx/>
-                <a:latin typeface="Tw Cen MT"/>
-                <a:ea typeface="Tw Cen MT"/>
-                <a:cs typeface="Tw Cen MT"/>
-                <a:sym typeface="Tw Cen MT"/>
-              </a:rPr>
-              <a:t>. </a:t>
+              <a:t>   1. </a:t>
             </a:r>
             <a:r>
               <a:rPr kumimoji="0" lang="en-US" sz="1800" b="0" i="0" u="none" strike="noStrike" cap="none" spc="0" normalizeH="0" baseline="0" dirty="0" smtClean="0">
@@ -14007,7 +13990,7 @@
           </a:ln>
           <a:extLst>
             <a:ext uri="{C572A759-6A51-4108-AA02-DFA0A04FC94B}">
-              <ma14:wrappingTextBoxFlag xmlns:ma14="http://schemas.microsoft.com/office/mac/drawingml/2011/main" xmlns="" val="1"/>
+              <ma14:wrappingTextBoxFlag xmlns="" xmlns:ma14="http://schemas.microsoft.com/office/mac/drawingml/2011/main" val="1"/>
             </a:ext>
           </a:extLst>
         </p:spPr>
@@ -14051,7 +14034,7 @@
           </a:ln>
           <a:extLst>
             <a:ext uri="{C572A759-6A51-4108-AA02-DFA0A04FC94B}">
-              <ma14:wrappingTextBoxFlag xmlns:ma14="http://schemas.microsoft.com/office/mac/drawingml/2011/main" xmlns="" val="1"/>
+              <ma14:wrappingTextBoxFlag xmlns="" xmlns:ma14="http://schemas.microsoft.com/office/mac/drawingml/2011/main" val="1"/>
             </a:ext>
           </a:extLst>
         </p:spPr>
@@ -14098,7 +14081,7 @@
           </a:ln>
           <a:extLst>
             <a:ext uri="{C572A759-6A51-4108-AA02-DFA0A04FC94B}">
-              <ma14:wrappingTextBoxFlag xmlns:ma14="http://schemas.microsoft.com/office/mac/drawingml/2011/main" xmlns="" val="1"/>
+              <ma14:wrappingTextBoxFlag xmlns="" xmlns:ma14="http://schemas.microsoft.com/office/mac/drawingml/2011/main" val="1"/>
             </a:ext>
           </a:extLst>
         </p:spPr>
@@ -14624,7 +14607,7 @@
           </a:ln>
           <a:extLst>
             <a:ext uri="{C572A759-6A51-4108-AA02-DFA0A04FC94B}">
-              <ma14:wrappingTextBoxFlag xmlns:ma14="http://schemas.microsoft.com/office/mac/drawingml/2011/main" xmlns="" val="1"/>
+              <ma14:wrappingTextBoxFlag xmlns="" xmlns:ma14="http://schemas.microsoft.com/office/mac/drawingml/2011/main" val="1"/>
             </a:ext>
           </a:extLst>
         </p:spPr>
@@ -15587,7 +15570,7 @@
           </a:ln>
           <a:extLst>
             <a:ext uri="{C572A759-6A51-4108-AA02-DFA0A04FC94B}">
-              <ma14:wrappingTextBoxFlag xmlns:ma14="http://schemas.microsoft.com/office/mac/drawingml/2011/main" xmlns="" val="1"/>
+              <ma14:wrappingTextBoxFlag xmlns="" xmlns:ma14="http://schemas.microsoft.com/office/mac/drawingml/2011/main" val="1"/>
             </a:ext>
           </a:extLst>
         </p:spPr>
@@ -16632,7 +16615,7 @@
           </a:ln>
           <a:extLst>
             <a:ext uri="{C572A759-6A51-4108-AA02-DFA0A04FC94B}">
-              <ma14:wrappingTextBoxFlag xmlns:ma14="http://schemas.microsoft.com/office/mac/drawingml/2011/main" xmlns="" val="1"/>
+              <ma14:wrappingTextBoxFlag xmlns="" xmlns:ma14="http://schemas.microsoft.com/office/mac/drawingml/2011/main" val="1"/>
             </a:ext>
           </a:extLst>
         </p:spPr>
@@ -16713,7 +16696,7 @@
           </a:ln>
           <a:extLst>
             <a:ext uri="{C572A759-6A51-4108-AA02-DFA0A04FC94B}">
-              <ma14:wrappingTextBoxFlag xmlns:ma14="http://schemas.microsoft.com/office/mac/drawingml/2011/main" xmlns="" val="1"/>
+              <ma14:wrappingTextBoxFlag xmlns="" xmlns:ma14="http://schemas.microsoft.com/office/mac/drawingml/2011/main" val="1"/>
             </a:ext>
           </a:extLst>
         </p:spPr>
@@ -16822,7 +16805,7 @@
           </a:ln>
           <a:extLst>
             <a:ext uri="{C572A759-6A51-4108-AA02-DFA0A04FC94B}">
-              <ma14:wrappingTextBoxFlag xmlns:ma14="http://schemas.microsoft.com/office/mac/drawingml/2011/main" xmlns="" val="1"/>
+              <ma14:wrappingTextBoxFlag xmlns="" xmlns:ma14="http://schemas.microsoft.com/office/mac/drawingml/2011/main" val="1"/>
             </a:ext>
           </a:extLst>
         </p:spPr>
@@ -16994,7 +16977,7 @@
           </a:ln>
           <a:extLst>
             <a:ext uri="{C572A759-6A51-4108-AA02-DFA0A04FC94B}">
-              <ma14:wrappingTextBoxFlag xmlns:ma14="http://schemas.microsoft.com/office/mac/drawingml/2011/main" xmlns="" val="1"/>
+              <ma14:wrappingTextBoxFlag xmlns="" xmlns:ma14="http://schemas.microsoft.com/office/mac/drawingml/2011/main" val="1"/>
             </a:ext>
           </a:extLst>
         </p:spPr>
